--- a/Анализ холодных звонков.pptx
+++ b/Анализ холодных звонков.pptx
@@ -14,8 +14,9 @@
     <p:sldId id="262" r:id="rId8"/>
     <p:sldId id="263" r:id="rId9"/>
     <p:sldId id="264" r:id="rId10"/>
-    <p:sldId id="265" r:id="rId11"/>
-    <p:sldId id="266" r:id="rId12"/>
+    <p:sldId id="267" r:id="rId11"/>
+    <p:sldId id="265" r:id="rId12"/>
+    <p:sldId id="266" r:id="rId13"/>
   </p:sldIdLst>
   <p:sldSz cx="9144000" cy="6858000" type="screen4x3"/>
   <p:notesSz cx="6858000" cy="9144000"/>
@@ -168,7 +169,7 @@
             <a:fld id="{7EAF463A-BC7C-46EE-9F1E-7F377CCA4891}" type="datetimeFigureOut">
               <a:rPr lang="en-US" smtClean="0"/>
               <a:pPr/>
-              <a:t>4/6/2022</a:t>
+              <a:t>4/15/2022</a:t>
             </a:fld>
             <a:endParaRPr lang="en-US"/>
           </a:p>
@@ -859,7 +860,7 @@
             <a:fld id="{7EAF463A-BC7C-46EE-9F1E-7F377CCA4891}" type="datetimeFigureOut">
               <a:rPr lang="en-US" smtClean="0"/>
               <a:pPr/>
-              <a:t>4/6/2022</a:t>
+              <a:t>4/15/2022</a:t>
             </a:fld>
             <a:endParaRPr lang="en-US"/>
           </a:p>
@@ -1036,7 +1037,7 @@
             <a:fld id="{7EAF463A-BC7C-46EE-9F1E-7F377CCA4891}" type="datetimeFigureOut">
               <a:rPr lang="en-US" smtClean="0"/>
               <a:pPr/>
-              <a:t>4/6/2022</a:t>
+              <a:t>4/15/2022</a:t>
             </a:fld>
             <a:endParaRPr lang="en-US"/>
           </a:p>
@@ -1203,7 +1204,7 @@
             <a:fld id="{7EAF463A-BC7C-46EE-9F1E-7F377CCA4891}" type="datetimeFigureOut">
               <a:rPr lang="en-US" smtClean="0"/>
               <a:pPr/>
-              <a:t>4/6/2022</a:t>
+              <a:t>4/15/2022</a:t>
             </a:fld>
             <a:endParaRPr lang="en-US"/>
           </a:p>
@@ -2652,7 +2653,7 @@
             <a:fld id="{7EAF463A-BC7C-46EE-9F1E-7F377CCA4891}" type="datetimeFigureOut">
               <a:rPr lang="en-US" smtClean="0"/>
               <a:pPr/>
-              <a:t>4/6/2022</a:t>
+              <a:t>4/15/2022</a:t>
             </a:fld>
             <a:endParaRPr lang="en-US"/>
           </a:p>
@@ -3234,7 +3235,7 @@
             <a:fld id="{7EAF463A-BC7C-46EE-9F1E-7F377CCA4891}" type="datetimeFigureOut">
               <a:rPr lang="en-US" smtClean="0"/>
               <a:pPr/>
-              <a:t>4/6/2022</a:t>
+              <a:t>4/15/2022</a:t>
             </a:fld>
             <a:endParaRPr lang="en-US"/>
           </a:p>
@@ -3665,7 +3666,7 @@
             <a:fld id="{7EAF463A-BC7C-46EE-9F1E-7F377CCA4891}" type="datetimeFigureOut">
               <a:rPr lang="en-US" smtClean="0"/>
               <a:pPr/>
-              <a:t>4/6/2022</a:t>
+              <a:t>4/15/2022</a:t>
             </a:fld>
             <a:endParaRPr lang="en-US"/>
           </a:p>
@@ -4204,7 +4205,7 @@
             <a:fld id="{7EAF463A-BC7C-46EE-9F1E-7F377CCA4891}" type="datetimeFigureOut">
               <a:rPr lang="en-US" smtClean="0"/>
               <a:pPr/>
-              <a:t>4/6/2022</a:t>
+              <a:t>4/15/2022</a:t>
             </a:fld>
             <a:endParaRPr lang="en-US"/>
           </a:p>
@@ -4296,7 +4297,7 @@
             <a:fld id="{7EAF463A-BC7C-46EE-9F1E-7F377CCA4891}" type="datetimeFigureOut">
               <a:rPr lang="en-US" smtClean="0"/>
               <a:pPr/>
-              <a:t>4/6/2022</a:t>
+              <a:t>4/15/2022</a:t>
             </a:fld>
             <a:endParaRPr lang="en-US"/>
           </a:p>
@@ -4546,7 +4547,7 @@
             <a:fld id="{7EAF463A-BC7C-46EE-9F1E-7F377CCA4891}" type="datetimeFigureOut">
               <a:rPr lang="en-US" smtClean="0"/>
               <a:pPr/>
-              <a:t>4/6/2022</a:t>
+              <a:t>4/15/2022</a:t>
             </a:fld>
             <a:endParaRPr lang="en-US"/>
           </a:p>
@@ -5261,7 +5262,7 @@
             <a:fld id="{7EAF463A-BC7C-46EE-9F1E-7F377CCA4891}" type="datetimeFigureOut">
               <a:rPr lang="en-US" smtClean="0"/>
               <a:pPr/>
-              <a:t>4/6/2022</a:t>
+              <a:t>4/15/2022</a:t>
             </a:fld>
             <a:endParaRPr lang="en-US"/>
           </a:p>
@@ -5928,7 +5929,7 @@
             <a:fld id="{7EAF463A-BC7C-46EE-9F1E-7F377CCA4891}" type="datetimeFigureOut">
               <a:rPr lang="en-US" smtClean="0"/>
               <a:pPr/>
-              <a:t>4/6/2022</a:t>
+              <a:t>4/15/2022</a:t>
             </a:fld>
             <a:endParaRPr lang="en-US"/>
           </a:p>
@@ -6494,6 +6495,252 @@
         </p:nvSpPr>
         <p:spPr/>
         <p:txBody>
+          <a:bodyPr/>
+          <a:lstStyle/>
+          <a:p>
+            <a:r>
+              <a:rPr lang="ru-RU" sz="2800" dirty="0">
+                <a:latin typeface="Times New Roman" pitchFamily="18" charset="0"/>
+                <a:cs typeface="Times New Roman" pitchFamily="18" charset="0"/>
+              </a:rPr>
+              <a:t>ПОСТРОЕНИЕ МОДЕЛИ</a:t>
+            </a:r>
+          </a:p>
+        </p:txBody>
+      </p:sp>
+      <p:sp>
+        <p:nvSpPr>
+          <p:cNvPr id="3" name="Содержимое 2"/>
+          <p:cNvSpPr>
+            <a:spLocks noGrp="1"/>
+          </p:cNvSpPr>
+          <p:nvPr>
+            <p:ph idx="1"/>
+          </p:nvPr>
+        </p:nvSpPr>
+        <p:spPr/>
+        <p:txBody>
+          <a:bodyPr>
+            <a:normAutofit lnSpcReduction="10000"/>
+          </a:bodyPr>
+          <a:lstStyle/>
+          <a:p>
+            <a:r>
+              <a:rPr lang="ru-RU" sz="3200" dirty="0">
+                <a:latin typeface="Times New Roman" pitchFamily="18" charset="0"/>
+                <a:cs typeface="Times New Roman" pitchFamily="18" charset="0"/>
+              </a:rPr>
+              <a:t>Сроим модель предсказания  на основании </a:t>
+            </a:r>
+            <a:r>
+              <a:rPr lang="en-US" sz="3200" dirty="0" err="1">
+                <a:latin typeface="Times New Roman" pitchFamily="18" charset="0"/>
+                <a:cs typeface="Times New Roman" pitchFamily="18" charset="0"/>
+              </a:rPr>
+              <a:t>GradientBoostingClassifier</a:t>
+            </a:r>
+            <a:r>
+              <a:rPr lang="ru-RU" sz="3200" dirty="0">
+                <a:latin typeface="Times New Roman" pitchFamily="18" charset="0"/>
+                <a:cs typeface="Times New Roman" pitchFamily="18" charset="0"/>
+              </a:rPr>
+              <a:t> с подготовленными нами признаками.</a:t>
+            </a:r>
+            <a:r>
+              <a:rPr lang="en-US" sz="3200" dirty="0">
+                <a:latin typeface="Times New Roman" pitchFamily="18" charset="0"/>
+                <a:cs typeface="Times New Roman" pitchFamily="18" charset="0"/>
+              </a:rPr>
+              <a:t> </a:t>
+            </a:r>
+            <a:endParaRPr lang="ru-RU" sz="3200" dirty="0">
+              <a:latin typeface="Times New Roman" pitchFamily="18" charset="0"/>
+              <a:cs typeface="Times New Roman" pitchFamily="18" charset="0"/>
+            </a:endParaRPr>
+          </a:p>
+          <a:p>
+            <a:r>
+              <a:rPr lang="ru-RU" sz="2000" dirty="0">
+                <a:latin typeface="Times New Roman" pitchFamily="18" charset="0"/>
+                <a:cs typeface="Times New Roman" pitchFamily="18" charset="0"/>
+              </a:rPr>
+              <a:t>(</a:t>
+            </a:r>
+            <a:r>
+              <a:rPr lang="en-US" sz="2000" dirty="0">
+                <a:latin typeface="Times New Roman" pitchFamily="18" charset="0"/>
+                <a:cs typeface="Times New Roman" pitchFamily="18" charset="0"/>
+              </a:rPr>
+              <a:t>test_size = 0.25, random_state =100</a:t>
+            </a:r>
+            <a:r>
+              <a:rPr lang="ru-RU" sz="2000" dirty="0">
+                <a:latin typeface="Times New Roman" pitchFamily="18" charset="0"/>
+                <a:cs typeface="Times New Roman" pitchFamily="18" charset="0"/>
+              </a:rPr>
+              <a:t>)</a:t>
+            </a:r>
+            <a:endParaRPr lang="en-US" sz="2000" dirty="0">
+              <a:latin typeface="Times New Roman" pitchFamily="18" charset="0"/>
+              <a:cs typeface="Times New Roman" pitchFamily="18" charset="0"/>
+            </a:endParaRPr>
+          </a:p>
+          <a:p>
+            <a:endParaRPr lang="ru-RU" sz="2000" dirty="0">
+              <a:latin typeface="Times New Roman" pitchFamily="18" charset="0"/>
+              <a:cs typeface="Times New Roman" pitchFamily="18" charset="0"/>
+            </a:endParaRPr>
+          </a:p>
+          <a:p>
+            <a:r>
+              <a:rPr lang="ru-RU" sz="2000" dirty="0">
+                <a:latin typeface="Times New Roman" pitchFamily="18" charset="0"/>
+                <a:cs typeface="Times New Roman" pitchFamily="18" charset="0"/>
+              </a:rPr>
+              <a:t>Ссылка</a:t>
+            </a:r>
+            <a:r>
+              <a:rPr lang="en-US" sz="2000" dirty="0">
+                <a:latin typeface="Times New Roman" pitchFamily="18" charset="0"/>
+                <a:cs typeface="Times New Roman" pitchFamily="18" charset="0"/>
+              </a:rPr>
+              <a:t>:https://github.com/</a:t>
+            </a:r>
+            <a:r>
+              <a:rPr lang="en-US" sz="2000" dirty="0" err="1">
+                <a:latin typeface="Times New Roman" pitchFamily="18" charset="0"/>
+                <a:cs typeface="Times New Roman" pitchFamily="18" charset="0"/>
+              </a:rPr>
+              <a:t>TanyaGoremykina</a:t>
+            </a:r>
+            <a:r>
+              <a:rPr lang="en-US" sz="2000" dirty="0">
+                <a:latin typeface="Times New Roman" pitchFamily="18" charset="0"/>
+                <a:cs typeface="Times New Roman" pitchFamily="18" charset="0"/>
+              </a:rPr>
+              <a:t>/</a:t>
+            </a:r>
+            <a:r>
+              <a:rPr lang="en-US" sz="2000" dirty="0" err="1">
+                <a:latin typeface="Times New Roman" pitchFamily="18" charset="0"/>
+                <a:cs typeface="Times New Roman" pitchFamily="18" charset="0"/>
+              </a:rPr>
+              <a:t>Final_project</a:t>
+            </a:r>
+            <a:endParaRPr lang="ru-RU" sz="2000" dirty="0">
+              <a:latin typeface="Times New Roman" pitchFamily="18" charset="0"/>
+              <a:cs typeface="Times New Roman" pitchFamily="18" charset="0"/>
+            </a:endParaRPr>
+          </a:p>
+          <a:p>
+            <a:endParaRPr lang="en-US" sz="2000" dirty="0">
+              <a:latin typeface="Times New Roman" pitchFamily="18" charset="0"/>
+              <a:cs typeface="Times New Roman" pitchFamily="18" charset="0"/>
+            </a:endParaRPr>
+          </a:p>
+          <a:p>
+            <a:r>
+              <a:rPr lang="ru-RU" sz="2000" dirty="0">
+                <a:latin typeface="Times New Roman" pitchFamily="18" charset="0"/>
+                <a:cs typeface="Times New Roman" pitchFamily="18" charset="0"/>
+                <a:hlinkClick r:id="rId2" tooltip="finalProject.ipynb"/>
+              </a:rPr>
+              <a:t>Файл </a:t>
+            </a:r>
+            <a:r>
+              <a:rPr lang="en-US" sz="2000" dirty="0">
+                <a:latin typeface="Times New Roman" pitchFamily="18" charset="0"/>
+                <a:cs typeface="Times New Roman" pitchFamily="18" charset="0"/>
+                <a:hlinkClick r:id="rId2" tooltip="finalProject.ipynb"/>
+              </a:rPr>
+              <a:t>: </a:t>
+            </a:r>
+            <a:r>
+              <a:rPr lang="en-US" sz="2000" dirty="0" err="1">
+                <a:latin typeface="Times New Roman" pitchFamily="18" charset="0"/>
+                <a:cs typeface="Times New Roman" pitchFamily="18" charset="0"/>
+                <a:hlinkClick r:id="rId2" tooltip="finalProject.ipynb"/>
+              </a:rPr>
+              <a:t>Final_project.ipynb</a:t>
+            </a:r>
+            <a:endParaRPr lang="en-US" sz="2000" dirty="0">
+              <a:latin typeface="Times New Roman" pitchFamily="18" charset="0"/>
+              <a:cs typeface="Times New Roman" pitchFamily="18" charset="0"/>
+            </a:endParaRPr>
+          </a:p>
+          <a:p>
+            <a:endParaRPr lang="ru-RU" sz="2000" dirty="0">
+              <a:latin typeface="Times New Roman" pitchFamily="18" charset="0"/>
+              <a:cs typeface="Times New Roman" pitchFamily="18" charset="0"/>
+            </a:endParaRPr>
+          </a:p>
+          <a:p>
+            <a:r>
+              <a:rPr lang="ru-RU" sz="2000" dirty="0">
+                <a:latin typeface="Times New Roman" pitchFamily="18" charset="0"/>
+                <a:cs typeface="Times New Roman" pitchFamily="18" charset="0"/>
+              </a:rPr>
+              <a:t>Анализ полученных данных показывает</a:t>
+            </a:r>
+            <a:r>
+              <a:rPr lang="en-US" sz="2000" dirty="0">
+                <a:latin typeface="Times New Roman" pitchFamily="18" charset="0"/>
+                <a:cs typeface="Times New Roman" pitchFamily="18" charset="0"/>
+              </a:rPr>
+              <a:t> </a:t>
+            </a:r>
+            <a:r>
+              <a:rPr lang="ru-RU" sz="2000" dirty="0">
+                <a:latin typeface="Times New Roman" pitchFamily="18" charset="0"/>
+                <a:cs typeface="Times New Roman" pitchFamily="18" charset="0"/>
+              </a:rPr>
+              <a:t>результат                 предсказания  80,23%.</a:t>
+            </a:r>
+          </a:p>
+        </p:txBody>
+      </p:sp>
+    </p:spTree>
+    <p:extLst>
+      <p:ext uri="{BB962C8B-B14F-4D97-AF65-F5344CB8AC3E}">
+        <p14:creationId xmlns:p14="http://schemas.microsoft.com/office/powerpoint/2010/main" val="3098871105"/>
+      </p:ext>
+    </p:extLst>
+  </p:cSld>
+  <p:clrMapOvr>
+    <a:masterClrMapping/>
+  </p:clrMapOvr>
+</p:sld>
+</file>
+
+<file path=ppt/slides/slide11.xml><?xml version="1.0" encoding="utf-8"?>
+<p:sld xmlns:a="http://schemas.openxmlformats.org/drawingml/2006/main" xmlns:r="http://schemas.openxmlformats.org/officeDocument/2006/relationships" xmlns:p="http://schemas.openxmlformats.org/presentationml/2006/main">
+  <p:cSld>
+    <p:spTree>
+      <p:nvGrpSpPr>
+        <p:cNvPr id="1" name=""/>
+        <p:cNvGrpSpPr/>
+        <p:nvPr/>
+      </p:nvGrpSpPr>
+      <p:grpSpPr>
+        <a:xfrm>
+          <a:off x="0" y="0"/>
+          <a:ext cx="0" cy="0"/>
+          <a:chOff x="0" y="0"/>
+          <a:chExt cx="0" cy="0"/>
+        </a:xfrm>
+      </p:grpSpPr>
+      <p:sp>
+        <p:nvSpPr>
+          <p:cNvPr id="2" name="Заголовок 1"/>
+          <p:cNvSpPr>
+            <a:spLocks noGrp="1"/>
+          </p:cNvSpPr>
+          <p:nvPr>
+            <p:ph type="title"/>
+          </p:nvPr>
+        </p:nvSpPr>
+        <p:spPr/>
+        <p:txBody>
           <a:bodyPr>
             <a:normAutofit fontScale="90000"/>
           </a:bodyPr>
@@ -6576,7 +6823,7 @@
 </p:sld>
 </file>
 
-<file path=ppt/slides/slide11.xml><?xml version="1.0" encoding="utf-8"?>
+<file path=ppt/slides/slide12.xml><?xml version="1.0" encoding="utf-8"?>
 <p:sld xmlns:a="http://schemas.openxmlformats.org/drawingml/2006/main" xmlns:r="http://schemas.openxmlformats.org/officeDocument/2006/relationships" xmlns:p="http://schemas.openxmlformats.org/presentationml/2006/main">
   <p:cSld>
     <p:spTree>
@@ -8238,198 +8485,407 @@
                 <a:latin typeface="Times New Roman" pitchFamily="18" charset="0"/>
                 <a:cs typeface="Times New Roman" pitchFamily="18" charset="0"/>
               </a:rPr>
-              <a:t>ПОСТРОЕНИЕ МОДЕЛИ</a:t>
-            </a:r>
-          </a:p>
-        </p:txBody>
-      </p:sp>
-      <p:sp>
-        <p:nvSpPr>
-          <p:cNvPr id="3" name="Содержимое 2"/>
-          <p:cNvSpPr>
-            <a:spLocks noGrp="1"/>
-          </p:cNvSpPr>
-          <p:nvPr>
-            <p:ph idx="1"/>
-          </p:nvPr>
-        </p:nvSpPr>
-        <p:spPr/>
-        <p:txBody>
-          <a:bodyPr>
-            <a:normAutofit lnSpcReduction="10000"/>
-          </a:bodyPr>
-          <a:lstStyle/>
-          <a:p>
-            <a:r>
-              <a:rPr lang="ru-RU" sz="3200" dirty="0">
-                <a:latin typeface="Times New Roman" pitchFamily="18" charset="0"/>
-                <a:cs typeface="Times New Roman" pitchFamily="18" charset="0"/>
-              </a:rPr>
-              <a:t>Сроим модель предсказания  на основании </a:t>
-            </a:r>
-            <a:r>
-              <a:rPr lang="en-US" sz="3200" dirty="0" err="1">
+              <a:t>АРХИТЕКТУРА</a:t>
+            </a:r>
+          </a:p>
+        </p:txBody>
+      </p:sp>
+      <p:sp>
+        <p:nvSpPr>
+          <p:cNvPr id="6" name="Блок-схема: процесс 5">
+            <a:extLst>
+              <a:ext uri="{FF2B5EF4-FFF2-40B4-BE49-F238E27FC236}">
+                <a16:creationId xmlns:a16="http://schemas.microsoft.com/office/drawing/2014/main" id="{023A2871-24EA-4968-A002-8B5DD4933CC3}"/>
+              </a:ext>
+            </a:extLst>
+          </p:cNvPr>
+          <p:cNvSpPr/>
+          <p:nvPr/>
+        </p:nvSpPr>
+        <p:spPr>
+          <a:xfrm>
+            <a:off x="914400" y="2289518"/>
+            <a:ext cx="1447800" cy="1600200"/>
+          </a:xfrm>
+          <a:prstGeom prst="flowChartProcess">
+            <a:avLst/>
+          </a:prstGeom>
+          <a:ln>
+            <a:solidFill>
+              <a:schemeClr val="tx1">
+                <a:lumMod val="85000"/>
+              </a:schemeClr>
+            </a:solidFill>
+          </a:ln>
+        </p:spPr>
+        <p:style>
+          <a:lnRef idx="2">
+            <a:schemeClr val="accent6"/>
+          </a:lnRef>
+          <a:fillRef idx="1">
+            <a:schemeClr val="lt1"/>
+          </a:fillRef>
+          <a:effectRef idx="0">
+            <a:schemeClr val="accent6"/>
+          </a:effectRef>
+          <a:fontRef idx="minor">
+            <a:schemeClr val="dk1"/>
+          </a:fontRef>
+        </p:style>
+        <p:txBody>
+          <a:bodyPr rtlCol="0" anchor="ctr"/>
+          <a:lstStyle/>
+          <a:p>
+            <a:pPr algn="ctr"/>
+            <a:r>
+              <a:rPr lang="en-US" sz="2400" b="1" dirty="0">
+                <a:ln w="9525">
+                  <a:solidFill>
+                    <a:schemeClr val="bg1"/>
+                  </a:solidFill>
+                  <a:prstDash val="solid"/>
+                </a:ln>
+                <a:solidFill>
+                  <a:schemeClr val="accent5"/>
+                </a:solidFill>
+                <a:effectLst>
+                  <a:outerShdw blurRad="12700" dist="38100" dir="2700000" algn="tl" rotWithShape="0">
+                    <a:schemeClr val="accent5">
+                      <a:lumMod val="60000"/>
+                      <a:lumOff val="40000"/>
+                    </a:schemeClr>
+                  </a:outerShdw>
+                </a:effectLst>
+              </a:rPr>
+              <a:t>CSV</a:t>
+            </a:r>
+          </a:p>
+          <a:p>
+            <a:pPr algn="ctr"/>
+            <a:r>
+              <a:rPr lang="en-US" sz="1100" dirty="0">
+                <a:solidFill>
+                  <a:schemeClr val="bg1"/>
+                </a:solidFill>
+                <a:latin typeface="Times New Roman" panose="02020603050405020304" pitchFamily="18" charset="0"/>
+                <a:cs typeface="Times New Roman" panose="02020603050405020304" pitchFamily="18" charset="0"/>
+              </a:rPr>
+              <a:t>(</a:t>
+            </a:r>
+            <a:r>
+              <a:rPr lang="ru-RU" sz="1100" dirty="0">
+                <a:solidFill>
+                  <a:schemeClr val="bg1"/>
+                </a:solidFill>
+                <a:latin typeface="Times New Roman" panose="02020603050405020304" pitchFamily="18" charset="0"/>
+                <a:cs typeface="Times New Roman" panose="02020603050405020304" pitchFamily="18" charset="0"/>
+              </a:rPr>
+              <a:t>данные о клиентах) </a:t>
+            </a:r>
+          </a:p>
+        </p:txBody>
+      </p:sp>
+      <p:sp>
+        <p:nvSpPr>
+          <p:cNvPr id="8" name="Стрелка: вправо 7">
+            <a:extLst>
+              <a:ext uri="{FF2B5EF4-FFF2-40B4-BE49-F238E27FC236}">
+                <a16:creationId xmlns:a16="http://schemas.microsoft.com/office/drawing/2014/main" id="{7F548E20-0B4A-4B0D-9E24-7C0114803D36}"/>
+              </a:ext>
+            </a:extLst>
+          </p:cNvPr>
+          <p:cNvSpPr/>
+          <p:nvPr/>
+        </p:nvSpPr>
+        <p:spPr>
+          <a:xfrm>
+            <a:off x="2590800" y="3044149"/>
+            <a:ext cx="990600" cy="156865"/>
+          </a:xfrm>
+          <a:prstGeom prst="rightArrow">
+            <a:avLst/>
+          </a:prstGeom>
+          <a:solidFill>
+            <a:schemeClr val="tx1"/>
+          </a:solidFill>
+          <a:ln>
+            <a:solidFill>
+              <a:schemeClr val="tx1">
+                <a:lumMod val="85000"/>
+              </a:schemeClr>
+            </a:solidFill>
+          </a:ln>
+        </p:spPr>
+        <p:style>
+          <a:lnRef idx="2">
+            <a:schemeClr val="accent1">
+              <a:shade val="50000"/>
+            </a:schemeClr>
+          </a:lnRef>
+          <a:fillRef idx="1">
+            <a:schemeClr val="accent1"/>
+          </a:fillRef>
+          <a:effectRef idx="0">
+            <a:schemeClr val="accent1"/>
+          </a:effectRef>
+          <a:fontRef idx="minor">
+            <a:schemeClr val="lt1"/>
+          </a:fontRef>
+        </p:style>
+        <p:txBody>
+          <a:bodyPr rtlCol="0" anchor="ctr"/>
+          <a:lstStyle/>
+          <a:p>
+            <a:pPr algn="ctr"/>
+            <a:endParaRPr lang="ru-RU"/>
+          </a:p>
+        </p:txBody>
+      </p:sp>
+      <p:sp>
+        <p:nvSpPr>
+          <p:cNvPr id="13" name="Блок-схема: процесс 12">
+            <a:extLst>
+              <a:ext uri="{FF2B5EF4-FFF2-40B4-BE49-F238E27FC236}">
+                <a16:creationId xmlns:a16="http://schemas.microsoft.com/office/drawing/2014/main" id="{A5877AFB-16C7-4DA1-8EDC-51E3954E070E}"/>
+              </a:ext>
+            </a:extLst>
+          </p:cNvPr>
+          <p:cNvSpPr/>
+          <p:nvPr/>
+        </p:nvSpPr>
+        <p:spPr>
+          <a:xfrm>
+            <a:off x="3810000" y="2324100"/>
+            <a:ext cx="1828800" cy="1600200"/>
+          </a:xfrm>
+          <a:prstGeom prst="flowChartProcess">
+            <a:avLst/>
+          </a:prstGeom>
+          <a:ln>
+            <a:solidFill>
+              <a:schemeClr val="tx1">
+                <a:lumMod val="85000"/>
+              </a:schemeClr>
+            </a:solidFill>
+          </a:ln>
+        </p:spPr>
+        <p:style>
+          <a:lnRef idx="2">
+            <a:schemeClr val="accent6"/>
+          </a:lnRef>
+          <a:fillRef idx="1">
+            <a:schemeClr val="lt1"/>
+          </a:fillRef>
+          <a:effectRef idx="0">
+            <a:schemeClr val="accent6"/>
+          </a:effectRef>
+          <a:fontRef idx="minor">
+            <a:schemeClr val="dk1"/>
+          </a:fontRef>
+        </p:style>
+        <p:txBody>
+          <a:bodyPr rtlCol="0" anchor="ctr"/>
+          <a:lstStyle/>
+          <a:p>
+            <a:pPr algn="ctr"/>
+            <a:r>
+              <a:rPr lang="en-US" sz="2400" b="1" dirty="0">
+                <a:ln w="9525">
+                  <a:solidFill>
+                    <a:schemeClr val="bg1"/>
+                  </a:solidFill>
+                  <a:prstDash val="solid"/>
+                </a:ln>
+                <a:solidFill>
+                  <a:schemeClr val="accent5"/>
+                </a:solidFill>
+                <a:effectLst>
+                  <a:outerShdw blurRad="12700" dist="38100" dir="2700000" algn="tl" rotWithShape="0">
+                    <a:schemeClr val="accent5">
+                      <a:lumMod val="60000"/>
+                      <a:lumOff val="40000"/>
+                    </a:schemeClr>
+                  </a:outerShdw>
+                </a:effectLst>
+              </a:rPr>
+              <a:t>ML Model</a:t>
+            </a:r>
+          </a:p>
+          <a:p>
+            <a:pPr algn="ctr"/>
+            <a:r>
+              <a:rPr lang="en-US" sz="1100" dirty="0">
+                <a:solidFill>
+                  <a:schemeClr val="bg1"/>
+                </a:solidFill>
+              </a:rPr>
+              <a:t>(</a:t>
+            </a:r>
+            <a:r>
+              <a:rPr lang="en-US" sz="1100" dirty="0" err="1">
                 <a:latin typeface="Times New Roman" pitchFamily="18" charset="0"/>
                 <a:cs typeface="Times New Roman" pitchFamily="18" charset="0"/>
               </a:rPr>
               <a:t>GradientBoostingClassifier</a:t>
             </a:r>
             <a:r>
-              <a:rPr lang="ru-RU" sz="3200" dirty="0">
-                <a:latin typeface="Times New Roman" pitchFamily="18" charset="0"/>
-                <a:cs typeface="Times New Roman" pitchFamily="18" charset="0"/>
-              </a:rPr>
-              <a:t> с подготовленными нами признаками.</a:t>
-            </a:r>
-            <a:r>
-              <a:rPr lang="en-US" sz="3200" dirty="0">
-                <a:latin typeface="Times New Roman" pitchFamily="18" charset="0"/>
-                <a:cs typeface="Times New Roman" pitchFamily="18" charset="0"/>
-              </a:rPr>
-              <a:t> </a:t>
-            </a:r>
-            <a:endParaRPr lang="ru-RU" sz="3200" dirty="0">
-              <a:latin typeface="Times New Roman" pitchFamily="18" charset="0"/>
-              <a:cs typeface="Times New Roman" pitchFamily="18" charset="0"/>
-            </a:endParaRPr>
-          </a:p>
-          <a:p>
-            <a:r>
-              <a:rPr lang="ru-RU" sz="2000" dirty="0">
-                <a:latin typeface="Times New Roman" pitchFamily="18" charset="0"/>
-                <a:cs typeface="Times New Roman" pitchFamily="18" charset="0"/>
+              <a:rPr lang="ru-RU" sz="1100" dirty="0">
+                <a:solidFill>
+                  <a:schemeClr val="bg1"/>
+                </a:solidFill>
+              </a:rPr>
+              <a:t>) </a:t>
+            </a:r>
+          </a:p>
+        </p:txBody>
+      </p:sp>
+      <p:sp>
+        <p:nvSpPr>
+          <p:cNvPr id="18" name="Стрелка: вправо 17">
+            <a:extLst>
+              <a:ext uri="{FF2B5EF4-FFF2-40B4-BE49-F238E27FC236}">
+                <a16:creationId xmlns:a16="http://schemas.microsoft.com/office/drawing/2014/main" id="{9CBD8EB0-B69B-45FA-B724-BE5897759874}"/>
+              </a:ext>
+            </a:extLst>
+          </p:cNvPr>
+          <p:cNvSpPr/>
+          <p:nvPr/>
+        </p:nvSpPr>
+        <p:spPr>
+          <a:xfrm>
+            <a:off x="5867400" y="3011185"/>
+            <a:ext cx="990600" cy="156865"/>
+          </a:xfrm>
+          <a:prstGeom prst="rightArrow">
+            <a:avLst/>
+          </a:prstGeom>
+          <a:solidFill>
+            <a:schemeClr val="tx1"/>
+          </a:solidFill>
+          <a:ln>
+            <a:solidFill>
+              <a:schemeClr val="tx1">
+                <a:lumMod val="85000"/>
+              </a:schemeClr>
+            </a:solidFill>
+          </a:ln>
+        </p:spPr>
+        <p:style>
+          <a:lnRef idx="2">
+            <a:schemeClr val="accent1">
+              <a:shade val="50000"/>
+            </a:schemeClr>
+          </a:lnRef>
+          <a:fillRef idx="1">
+            <a:schemeClr val="accent1"/>
+          </a:fillRef>
+          <a:effectRef idx="0">
+            <a:schemeClr val="accent1"/>
+          </a:effectRef>
+          <a:fontRef idx="minor">
+            <a:schemeClr val="lt1"/>
+          </a:fontRef>
+        </p:style>
+        <p:txBody>
+          <a:bodyPr rtlCol="0" anchor="ctr"/>
+          <a:lstStyle/>
+          <a:p>
+            <a:pPr algn="ctr"/>
+            <a:endParaRPr lang="ru-RU"/>
+          </a:p>
+        </p:txBody>
+      </p:sp>
+      <p:sp>
+        <p:nvSpPr>
+          <p:cNvPr id="19" name="Блок-схема: процесс 18">
+            <a:extLst>
+              <a:ext uri="{FF2B5EF4-FFF2-40B4-BE49-F238E27FC236}">
+                <a16:creationId xmlns:a16="http://schemas.microsoft.com/office/drawing/2014/main" id="{DBE50C82-4B5F-4DB0-8EA2-93B1FA049CD3}"/>
+              </a:ext>
+            </a:extLst>
+          </p:cNvPr>
+          <p:cNvSpPr/>
+          <p:nvPr/>
+        </p:nvSpPr>
+        <p:spPr>
+          <a:xfrm>
+            <a:off x="7086600" y="2324100"/>
+            <a:ext cx="1371600" cy="1600200"/>
+          </a:xfrm>
+          <a:prstGeom prst="flowChartProcess">
+            <a:avLst/>
+          </a:prstGeom>
+          <a:ln>
+            <a:solidFill>
+              <a:schemeClr val="tx1">
+                <a:lumMod val="85000"/>
+              </a:schemeClr>
+            </a:solidFill>
+          </a:ln>
+        </p:spPr>
+        <p:style>
+          <a:lnRef idx="2">
+            <a:schemeClr val="accent6"/>
+          </a:lnRef>
+          <a:fillRef idx="1">
+            <a:schemeClr val="lt1"/>
+          </a:fillRef>
+          <a:effectRef idx="0">
+            <a:schemeClr val="accent6"/>
+          </a:effectRef>
+          <a:fontRef idx="minor">
+            <a:schemeClr val="dk1"/>
+          </a:fontRef>
+        </p:style>
+        <p:txBody>
+          <a:bodyPr rtlCol="0" anchor="ctr"/>
+          <a:lstStyle/>
+          <a:p>
+            <a:pPr algn="ctr"/>
+            <a:r>
+              <a:rPr lang="en-US" sz="2400" b="1" dirty="0">
+                <a:ln w="9525">
+                  <a:solidFill>
+                    <a:schemeClr val="bg1"/>
+                  </a:solidFill>
+                  <a:prstDash val="solid"/>
+                </a:ln>
+                <a:solidFill>
+                  <a:schemeClr val="accent5"/>
+                </a:solidFill>
+                <a:effectLst>
+                  <a:outerShdw blurRad="12700" dist="38100" dir="2700000" algn="tl" rotWithShape="0">
+                    <a:schemeClr val="accent5">
+                      <a:lumMod val="60000"/>
+                      <a:lumOff val="40000"/>
+                    </a:schemeClr>
+                  </a:outerShdw>
+                </a:effectLst>
+              </a:rPr>
+              <a:t>CSV</a:t>
+            </a:r>
+          </a:p>
+          <a:p>
+            <a:pPr algn="ctr"/>
+            <a:r>
+              <a:rPr lang="en-US" sz="1100" dirty="0">
+                <a:solidFill>
+                  <a:schemeClr val="bg1"/>
+                </a:solidFill>
+                <a:latin typeface="Times New Roman" panose="02020603050405020304" pitchFamily="18" charset="0"/>
+                <a:cs typeface="Times New Roman" panose="02020603050405020304" pitchFamily="18" charset="0"/>
               </a:rPr>
               <a:t>(</a:t>
             </a:r>
             <a:r>
-              <a:rPr lang="en-US" sz="2000" dirty="0">
-                <a:latin typeface="Times New Roman" pitchFamily="18" charset="0"/>
-                <a:cs typeface="Times New Roman" pitchFamily="18" charset="0"/>
-              </a:rPr>
-              <a:t>test_size = 0.25, random_state =100</a:t>
-            </a:r>
-            <a:r>
-              <a:rPr lang="ru-RU" sz="2000" dirty="0">
-                <a:latin typeface="Times New Roman" pitchFamily="18" charset="0"/>
-                <a:cs typeface="Times New Roman" pitchFamily="18" charset="0"/>
-              </a:rPr>
-              <a:t>)</a:t>
-            </a:r>
-            <a:endParaRPr lang="en-US" sz="2000" dirty="0">
-              <a:latin typeface="Times New Roman" pitchFamily="18" charset="0"/>
-              <a:cs typeface="Times New Roman" pitchFamily="18" charset="0"/>
-            </a:endParaRPr>
-          </a:p>
-          <a:p>
-            <a:endParaRPr lang="ru-RU" sz="2000" dirty="0">
-              <a:latin typeface="Times New Roman" pitchFamily="18" charset="0"/>
-              <a:cs typeface="Times New Roman" pitchFamily="18" charset="0"/>
-            </a:endParaRPr>
-          </a:p>
-          <a:p>
-            <a:r>
-              <a:rPr lang="ru-RU" sz="2000" dirty="0">
-                <a:latin typeface="Times New Roman" pitchFamily="18" charset="0"/>
-                <a:cs typeface="Times New Roman" pitchFamily="18" charset="0"/>
-              </a:rPr>
-              <a:t>Ссылка</a:t>
-            </a:r>
-            <a:r>
-              <a:rPr lang="en-US" sz="2000" dirty="0">
-                <a:latin typeface="Times New Roman" pitchFamily="18" charset="0"/>
-                <a:cs typeface="Times New Roman" pitchFamily="18" charset="0"/>
-              </a:rPr>
-              <a:t>:https://github.com/</a:t>
-            </a:r>
-            <a:r>
-              <a:rPr lang="en-US" sz="2000" dirty="0" err="1">
-                <a:latin typeface="Times New Roman" pitchFamily="18" charset="0"/>
-                <a:cs typeface="Times New Roman" pitchFamily="18" charset="0"/>
-              </a:rPr>
-              <a:t>TanyaGoremykina</a:t>
-            </a:r>
-            <a:r>
-              <a:rPr lang="en-US" sz="2000" dirty="0">
-                <a:latin typeface="Times New Roman" pitchFamily="18" charset="0"/>
-                <a:cs typeface="Times New Roman" pitchFamily="18" charset="0"/>
-              </a:rPr>
-              <a:t>/</a:t>
-            </a:r>
-            <a:r>
-              <a:rPr lang="en-US" sz="2000" dirty="0" err="1">
-                <a:latin typeface="Times New Roman" pitchFamily="18" charset="0"/>
-                <a:cs typeface="Times New Roman" pitchFamily="18" charset="0"/>
-              </a:rPr>
-              <a:t>Final_project</a:t>
-            </a:r>
-            <a:endParaRPr lang="ru-RU" sz="2000" dirty="0">
-              <a:latin typeface="Times New Roman" pitchFamily="18" charset="0"/>
-              <a:cs typeface="Times New Roman" pitchFamily="18" charset="0"/>
-            </a:endParaRPr>
-          </a:p>
-          <a:p>
-            <a:endParaRPr lang="en-US" sz="2000" dirty="0">
-              <a:latin typeface="Times New Roman" pitchFamily="18" charset="0"/>
-              <a:cs typeface="Times New Roman" pitchFamily="18" charset="0"/>
-            </a:endParaRPr>
-          </a:p>
-          <a:p>
-            <a:r>
-              <a:rPr lang="ru-RU" sz="2000" dirty="0">
-                <a:latin typeface="Times New Roman" pitchFamily="18" charset="0"/>
-                <a:cs typeface="Times New Roman" pitchFamily="18" charset="0"/>
-                <a:hlinkClick r:id="rId2" tooltip="finalProject.ipynb"/>
-              </a:rPr>
-              <a:t>Файл </a:t>
-            </a:r>
-            <a:r>
-              <a:rPr lang="en-US" sz="2000" dirty="0">
-                <a:latin typeface="Times New Roman" pitchFamily="18" charset="0"/>
-                <a:cs typeface="Times New Roman" pitchFamily="18" charset="0"/>
-                <a:hlinkClick r:id="rId2" tooltip="finalProject.ipynb"/>
-              </a:rPr>
-              <a:t>: </a:t>
-            </a:r>
-            <a:r>
-              <a:rPr lang="en-US" sz="2000" dirty="0" err="1">
-                <a:latin typeface="Times New Roman" pitchFamily="18" charset="0"/>
-                <a:cs typeface="Times New Roman" pitchFamily="18" charset="0"/>
-                <a:hlinkClick r:id="rId2" tooltip="finalProject.ipynb"/>
-              </a:rPr>
-              <a:t>Final_project.ipynb</a:t>
-            </a:r>
-            <a:endParaRPr lang="en-US" sz="2000" dirty="0">
-              <a:latin typeface="Times New Roman" pitchFamily="18" charset="0"/>
-              <a:cs typeface="Times New Roman" pitchFamily="18" charset="0"/>
-            </a:endParaRPr>
-          </a:p>
-          <a:p>
-            <a:endParaRPr lang="ru-RU" sz="2000" dirty="0">
-              <a:latin typeface="Times New Roman" pitchFamily="18" charset="0"/>
-              <a:cs typeface="Times New Roman" pitchFamily="18" charset="0"/>
-            </a:endParaRPr>
-          </a:p>
-          <a:p>
-            <a:r>
-              <a:rPr lang="ru-RU" sz="2000" dirty="0">
-                <a:latin typeface="Times New Roman" pitchFamily="18" charset="0"/>
-                <a:cs typeface="Times New Roman" pitchFamily="18" charset="0"/>
-              </a:rPr>
-              <a:t>Анализ полученных данных показывает</a:t>
-            </a:r>
-            <a:r>
-              <a:rPr lang="en-US" sz="2000" dirty="0">
-                <a:latin typeface="Times New Roman" pitchFamily="18" charset="0"/>
-                <a:cs typeface="Times New Roman" pitchFamily="18" charset="0"/>
-              </a:rPr>
-              <a:t> </a:t>
-            </a:r>
-            <a:r>
-              <a:rPr lang="ru-RU" sz="2000" dirty="0">
-                <a:latin typeface="Times New Roman" pitchFamily="18" charset="0"/>
-                <a:cs typeface="Times New Roman" pitchFamily="18" charset="0"/>
-              </a:rPr>
-              <a:t>результат                 предсказания  80,23%.</a:t>
+              <a:rPr lang="ru-RU" sz="1100" dirty="0">
+                <a:solidFill>
+                  <a:schemeClr val="bg1"/>
+                </a:solidFill>
+                <a:latin typeface="Times New Roman" panose="02020603050405020304" pitchFamily="18" charset="0"/>
+                <a:cs typeface="Times New Roman" panose="02020603050405020304" pitchFamily="18" charset="0"/>
+              </a:rPr>
+              <a:t>Результат) </a:t>
             </a:r>
           </a:p>
         </p:txBody>
